--- a/Vendor_Boards/Great_Cow_Basic_Demo_Board/16F17556_chiprange_demonstrations/tutorials/GCBASIC_Part4_RotateADCDelay.pptx
+++ b/Vendor_Boards/Great_Cow_Basic_Demo_Board/16F17556_chiprange_demonstrations/tutorials/GCBASIC_Part4_RotateADCDelay.pptx
@@ -14,12 +14,12 @@
     <p:sldId id="294" r:id="rId2"/>
     <p:sldId id="256" r:id="rId3"/>
     <p:sldId id="295" r:id="rId4"/>
-    <p:sldId id="283" r:id="rId5"/>
+    <p:sldId id="320" r:id="rId5"/>
     <p:sldId id="296" r:id="rId6"/>
     <p:sldId id="282" r:id="rId7"/>
     <p:sldId id="291" r:id="rId8"/>
-    <p:sldId id="301" r:id="rId9"/>
-    <p:sldId id="285" r:id="rId10"/>
+    <p:sldId id="321" r:id="rId9"/>
+    <p:sldId id="322" r:id="rId10"/>
     <p:sldId id="306" r:id="rId11"/>
     <p:sldId id="309" r:id="rId12"/>
     <p:sldId id="308" r:id="rId13"/>
@@ -221,7 +221,7 @@
             <a:fld id="{742E545A-AB39-44F0-B5A6-04A90C6C9399}" type="datetimeFigureOut">
               <a:rPr lang="en-GB" smtClean="0"/>
               <a:pPr/>
-              <a:t>18/11/2024</a:t>
+              <a:t>17/11/2025</a:t>
             </a:fld>
             <a:endParaRPr lang="en-GB"/>
           </a:p>
@@ -577,7 +577,7 @@
             <a:fld id="{FF100B3C-2E11-428B-8555-A77018253716}" type="datetimeFigureOut">
               <a:rPr lang="en-GB" smtClean="0"/>
               <a:pPr/>
-              <a:t>18/11/2024</a:t>
+              <a:t>17/11/2025</a:t>
             </a:fld>
             <a:endParaRPr lang="en-GB"/>
           </a:p>
@@ -1492,7 +1492,7 @@
             <a:fld id="{C473AACB-D821-4991-9D88-46EB8D29E619}" type="datetimeFigureOut">
               <a:rPr lang="en-GB" smtClean="0"/>
               <a:pPr/>
-              <a:t>18/11/2024</a:t>
+              <a:t>17/11/2025</a:t>
             </a:fld>
             <a:endParaRPr lang="en-GB" dirty="0"/>
           </a:p>
@@ -1786,7 +1786,7 @@
             <a:fld id="{C473AACB-D821-4991-9D88-46EB8D29E619}" type="datetimeFigureOut">
               <a:rPr lang="en-GB" smtClean="0"/>
               <a:pPr/>
-              <a:t>18/11/2024</a:t>
+              <a:t>17/11/2025</a:t>
             </a:fld>
             <a:endParaRPr lang="en-GB" dirty="0"/>
           </a:p>
@@ -2039,7 +2039,7 @@
             <a:fld id="{C473AACB-D821-4991-9D88-46EB8D29E619}" type="datetimeFigureOut">
               <a:rPr lang="en-GB" smtClean="0"/>
               <a:pPr/>
-              <a:t>18/11/2024</a:t>
+              <a:t>17/11/2025</a:t>
             </a:fld>
             <a:endParaRPr lang="en-GB" dirty="0"/>
           </a:p>
@@ -2384,7 +2384,7 @@
             <a:fld id="{C473AACB-D821-4991-9D88-46EB8D29E619}" type="datetimeFigureOut">
               <a:rPr lang="en-GB" smtClean="0"/>
               <a:pPr/>
-              <a:t>18/11/2024</a:t>
+              <a:t>17/11/2025</a:t>
             </a:fld>
             <a:endParaRPr lang="en-GB" dirty="0"/>
           </a:p>
@@ -2756,7 +2756,7 @@
             <a:fld id="{C473AACB-D821-4991-9D88-46EB8D29E619}" type="datetimeFigureOut">
               <a:rPr lang="en-GB" smtClean="0"/>
               <a:pPr/>
-              <a:t>18/11/2024</a:t>
+              <a:t>17/11/2025</a:t>
             </a:fld>
             <a:endParaRPr lang="en-GB" dirty="0"/>
           </a:p>
@@ -3102,7 +3102,7 @@
             <a:fld id="{C473AACB-D821-4991-9D88-46EB8D29E619}" type="datetimeFigureOut">
               <a:rPr lang="en-GB" smtClean="0"/>
               <a:pPr/>
-              <a:t>18/11/2024</a:t>
+              <a:t>17/11/2025</a:t>
             </a:fld>
             <a:endParaRPr lang="en-GB" dirty="0"/>
           </a:p>
@@ -3526,7 +3526,7 @@
             <a:fld id="{C473AACB-D821-4991-9D88-46EB8D29E619}" type="datetimeFigureOut">
               <a:rPr lang="en-GB" smtClean="0"/>
               <a:pPr/>
-              <a:t>18/11/2024</a:t>
+              <a:t>17/11/2025</a:t>
             </a:fld>
             <a:endParaRPr lang="en-GB" dirty="0"/>
           </a:p>
@@ -3761,7 +3761,7 @@
             <a:fld id="{C473AACB-D821-4991-9D88-46EB8D29E619}" type="datetimeFigureOut">
               <a:rPr lang="en-GB" smtClean="0"/>
               <a:pPr/>
-              <a:t>18/11/2024</a:t>
+              <a:t>17/11/2025</a:t>
             </a:fld>
             <a:endParaRPr lang="en-GB" dirty="0"/>
           </a:p>
@@ -3972,7 +3972,7 @@
             <a:fld id="{C473AACB-D821-4991-9D88-46EB8D29E619}" type="datetimeFigureOut">
               <a:rPr lang="en-GB" smtClean="0"/>
               <a:pPr/>
-              <a:t>18/11/2024</a:t>
+              <a:t>17/11/2025</a:t>
             </a:fld>
             <a:endParaRPr lang="en-GB" dirty="0"/>
           </a:p>
@@ -4190,7 +4190,7 @@
             <a:fld id="{C473AACB-D821-4991-9D88-46EB8D29E619}" type="datetimeFigureOut">
               <a:rPr lang="en-GB" smtClean="0"/>
               <a:pPr/>
-              <a:t>18/11/2024</a:t>
+              <a:t>17/11/2025</a:t>
             </a:fld>
             <a:endParaRPr lang="en-GB" dirty="0"/>
           </a:p>
@@ -5005,7 +5005,7 @@
             <a:fld id="{C473AACB-D821-4991-9D88-46EB8D29E619}" type="datetimeFigureOut">
               <a:rPr lang="en-GB" smtClean="0"/>
               <a:pPr/>
-              <a:t>18/11/2024</a:t>
+              <a:t>17/11/2025</a:t>
             </a:fld>
             <a:endParaRPr lang="en-GB" dirty="0"/>
           </a:p>
@@ -5819,7 +5819,7 @@
             <a:fld id="{C473AACB-D821-4991-9D88-46EB8D29E619}" type="datetimeFigureOut">
               <a:rPr lang="en-GB" smtClean="0"/>
               <a:pPr/>
-              <a:t>18/11/2024</a:t>
+              <a:t>17/11/2025</a:t>
             </a:fld>
             <a:endParaRPr lang="en-GB" dirty="0"/>
           </a:p>
@@ -6068,7 +6068,7 @@
             <a:fld id="{C473AACB-D821-4991-9D88-46EB8D29E619}" type="datetimeFigureOut">
               <a:rPr lang="en-GB" smtClean="0"/>
               <a:pPr/>
-              <a:t>18/11/2024</a:t>
+              <a:t>17/11/2025</a:t>
             </a:fld>
             <a:endParaRPr lang="en-GB" dirty="0"/>
           </a:p>
@@ -6332,7 +6332,7 @@
             <a:fld id="{C473AACB-D821-4991-9D88-46EB8D29E619}" type="datetimeFigureOut">
               <a:rPr lang="en-GB" smtClean="0"/>
               <a:pPr/>
-              <a:t>18/11/2024</a:t>
+              <a:t>17/11/2025</a:t>
             </a:fld>
             <a:endParaRPr lang="en-GB" dirty="0"/>
           </a:p>
@@ -6772,7 +6772,7 @@
             <a:fld id="{C473AACB-D821-4991-9D88-46EB8D29E619}" type="datetimeFigureOut">
               <a:rPr lang="en-GB" smtClean="0"/>
               <a:pPr/>
-              <a:t>18/11/2024</a:t>
+              <a:t>17/11/2025</a:t>
             </a:fld>
             <a:endParaRPr lang="en-GB" dirty="0"/>
           </a:p>
@@ -6927,7 +6927,7 @@
             <a:fld id="{C473AACB-D821-4991-9D88-46EB8D29E619}" type="datetimeFigureOut">
               <a:rPr lang="en-GB" smtClean="0"/>
               <a:pPr/>
-              <a:t>18/11/2024</a:t>
+              <a:t>17/11/2025</a:t>
             </a:fld>
             <a:endParaRPr lang="en-GB" dirty="0"/>
           </a:p>
@@ -7024,7 +7024,7 @@
             <a:fld id="{C473AACB-D821-4991-9D88-46EB8D29E619}" type="datetimeFigureOut">
               <a:rPr lang="en-GB" smtClean="0"/>
               <a:pPr/>
-              <a:t>18/11/2024</a:t>
+              <a:t>17/11/2025</a:t>
             </a:fld>
             <a:endParaRPr lang="en-GB" dirty="0"/>
           </a:p>
@@ -7801,7 +7801,7 @@
             <a:fld id="{C473AACB-D821-4991-9D88-46EB8D29E619}" type="datetimeFigureOut">
               <a:rPr lang="en-GB" smtClean="0"/>
               <a:pPr/>
-              <a:t>18/11/2024</a:t>
+              <a:t>17/11/2025</a:t>
             </a:fld>
             <a:endParaRPr lang="en-GB" dirty="0"/>
           </a:p>
@@ -8368,7 +8368,7 @@
           <a:p>
             <a:r>
               <a:rPr lang="en-GB" dirty="0" smtClean="0"/>
-              <a:t>PIC18FxxQ24</a:t>
+              <a:t>PIC16F175xx</a:t>
             </a:r>
           </a:p>
           <a:p>
@@ -8652,8 +8652,8 @@
         </p:nvSpPr>
         <p:spPr>
           <a:xfrm>
-            <a:off x="539552" y="1707654"/>
-            <a:ext cx="7056784" cy="2970044"/>
+            <a:off x="539552" y="1689938"/>
+            <a:ext cx="7056784" cy="2846933"/>
           </a:xfrm>
           <a:prstGeom prst="rect">
             <a:avLst/>
@@ -8671,7 +8671,7 @@
               <a:buAutoNum type="arabicPeriod"/>
             </a:pPr>
             <a:r>
-              <a:rPr lang="en-GB" dirty="0" smtClean="0"/>
+              <a:rPr lang="en-GB" sz="1600" dirty="0" smtClean="0"/>
               <a:t>GCBASIC completes the initialisation</a:t>
             </a:r>
           </a:p>
@@ -8680,7 +8680,7 @@
               <a:buFont typeface="+mj-lt"/>
               <a:buAutoNum type="arabicPeriod"/>
             </a:pPr>
-            <a:endParaRPr lang="en-GB" dirty="0" smtClean="0"/>
+            <a:endParaRPr lang="en-GB" sz="1600" dirty="0" smtClean="0"/>
           </a:p>
           <a:p>
             <a:pPr marL="342900" indent="-342900">
@@ -8688,7 +8688,7 @@
               <a:buAutoNum type="arabicPeriod"/>
             </a:pPr>
             <a:r>
-              <a:rPr lang="en-GB" dirty="0" smtClean="0"/>
+              <a:rPr lang="en-GB" sz="1600" dirty="0" smtClean="0"/>
               <a:t>Create a variable to store the ADC results </a:t>
             </a:r>
           </a:p>
@@ -8697,7 +8697,7 @@
               <a:buFont typeface="+mj-lt"/>
               <a:buAutoNum type="arabicPeriod"/>
             </a:pPr>
-            <a:endParaRPr lang="en-GB" dirty="0" smtClean="0"/>
+            <a:endParaRPr lang="en-GB" sz="1600" dirty="0" smtClean="0"/>
           </a:p>
           <a:p>
             <a:pPr marL="342900" indent="-342900">
@@ -8705,7 +8705,7 @@
               <a:buAutoNum type="arabicPeriod"/>
             </a:pPr>
             <a:r>
-              <a:rPr lang="en-GB" dirty="0" smtClean="0"/>
+              <a:rPr lang="en-GB" sz="1600" dirty="0" smtClean="0"/>
               <a:t>Read the ADC</a:t>
             </a:r>
           </a:p>
@@ -8715,7 +8715,7 @@
               <a:buAutoNum type="romanUcPeriod"/>
             </a:pPr>
             <a:r>
-              <a:rPr lang="en-GB" dirty="0" smtClean="0"/>
+              <a:rPr lang="en-GB" sz="1600" dirty="0" smtClean="0"/>
               <a:t>GCBASIC makes the process easy via the ReadAD10()</a:t>
             </a:r>
           </a:p>
@@ -8725,8 +8725,8 @@
               <a:buAutoNum type="romanUcPeriod"/>
             </a:pPr>
             <a:r>
-              <a:rPr lang="en-GB" dirty="0" smtClean="0"/>
-              <a:t>ReadAD10 returns a value of 0 to 1023</a:t>
+              <a:rPr lang="en-GB" sz="1600" dirty="0" smtClean="0"/>
+              <a:t>ReadAD10 returns a value of 0 to 4095</a:t>
             </a:r>
           </a:p>
           <a:p>
@@ -8734,7 +8734,7 @@
               <a:buFont typeface="+mj-lt"/>
               <a:buAutoNum type="romanUcPeriod"/>
             </a:pPr>
-            <a:endParaRPr lang="en-GB" dirty="0" smtClean="0"/>
+            <a:endParaRPr lang="en-GB" sz="1600" dirty="0" smtClean="0"/>
           </a:p>
           <a:p>
             <a:pPr marL="400050" indent="-400050">
@@ -8742,7 +8742,7 @@
               <a:buAutoNum type="arabicPeriod"/>
             </a:pPr>
             <a:r>
-              <a:rPr lang="en-GB" dirty="0" smtClean="0"/>
+              <a:rPr lang="en-GB" sz="1600" dirty="0" smtClean="0"/>
               <a:t>Wait for a time period  based on returned ADC value</a:t>
             </a:r>
           </a:p>
@@ -8752,7 +8752,7 @@
               <a:buAutoNum type="arabicPeriod"/>
             </a:pPr>
             <a:r>
-              <a:rPr lang="en-GB" dirty="0" smtClean="0"/>
+              <a:rPr lang="en-GB" sz="1600" dirty="0" smtClean="0"/>
               <a:t>Set the LEDs</a:t>
             </a:r>
           </a:p>
@@ -8762,10 +8762,10 @@
               <a:buAutoNum type="arabicPeriod"/>
             </a:pPr>
             <a:r>
-              <a:rPr lang="en-GB" dirty="0" smtClean="0"/>
+              <a:rPr lang="en-GB" sz="1600" dirty="0" smtClean="0"/>
               <a:t>Do it again….</a:t>
             </a:r>
-            <a:endParaRPr lang="en-GB" dirty="0"/>
+            <a:endParaRPr lang="en-GB" sz="1600" dirty="0"/>
           </a:p>
         </p:txBody>
       </p:sp>
@@ -9621,7 +9621,7 @@
                   <a:schemeClr val="tx1"/>
                 </a:solidFill>
               </a:rPr>
-              <a:t>10 bit</a:t>
+              <a:t>12 bit</a:t>
             </a:r>
             <a:endParaRPr lang="en-GB" sz="1000" b="1" dirty="0">
               <a:solidFill>
@@ -9673,7 +9673,7 @@
         <p:spPr>
           <a:xfrm>
             <a:off x="7596336" y="1635646"/>
-            <a:ext cx="1176925" cy="353943"/>
+            <a:ext cx="1106393" cy="353943"/>
           </a:xfrm>
           <a:prstGeom prst="rect">
             <a:avLst/>
@@ -9688,7 +9688,7 @@
           <a:p>
             <a:r>
               <a:rPr lang="en-GB" dirty="0" smtClean="0"/>
-              <a:t>( 0 – 1023 )</a:t>
+              <a:t>( 0 – 4095)</a:t>
             </a:r>
             <a:endParaRPr lang="en-GB" dirty="0"/>
           </a:p>
@@ -18143,7 +18143,7 @@
           <a:p>
             <a:r>
               <a:rPr lang="en-GB" dirty="0" smtClean="0"/>
-              <a:t>PIC18FxxQ24</a:t>
+              <a:t>PIC16F175xx</a:t>
             </a:r>
           </a:p>
           <a:p>
@@ -18156,7 +18156,7 @@
       </p:sp>
       <p:pic>
         <p:nvPicPr>
-          <p:cNvPr id="10" name="Picture 2" descr="PIC18F26Q24"/>
+          <p:cNvPr id="7" name="Picture 4" descr="PIC16F17556 | Microchip Technology"/>
           <p:cNvPicPr>
             <a:picLocks noChangeAspect="1" noChangeArrowheads="1"/>
           </p:cNvPicPr>
@@ -18177,8 +18177,49 @@
         </p:blipFill>
         <p:spPr bwMode="auto">
           <a:xfrm>
-            <a:off x="1907705" y="4116163"/>
-            <a:ext cx="1280738" cy="922132"/>
+            <a:off x="6750880" y="3974993"/>
+            <a:ext cx="2415427" cy="1178257"/>
+          </a:xfrm>
+          <a:prstGeom prst="rect">
+            <a:avLst/>
+          </a:prstGeom>
+          <a:noFill/>
+          <a:extLst>
+            <a:ext uri="{909E8E84-426E-40DD-AFC4-6F175D3DCCD1}">
+              <a14:hiddenFill xmlns:a14="http://schemas.microsoft.com/office/drawing/2010/main">
+                <a:solidFill>
+                  <a:srgbClr val="FFFFFF"/>
+                </a:solidFill>
+              </a14:hiddenFill>
+            </a:ext>
+          </a:extLst>
+        </p:spPr>
+      </p:pic>
+      <p:pic>
+        <p:nvPicPr>
+          <p:cNvPr id="9" name="Picture 6" descr="PIC16F19175 | Microchip Technology"/>
+          <p:cNvPicPr>
+            <a:picLocks noChangeAspect="1" noChangeArrowheads="1"/>
+          </p:cNvPicPr>
+          <p:nvPr/>
+        </p:nvPicPr>
+        <p:blipFill>
+          <a:blip r:embed="rId4" cstate="print">
+            <a:extLst>
+              <a:ext uri="{28A0092B-C50C-407E-A947-70E740481C1C}">
+                <a14:useLocalDpi xmlns:a14="http://schemas.microsoft.com/office/drawing/2010/main" val="0"/>
+              </a:ext>
+            </a:extLst>
+          </a:blip>
+          <a:srcRect/>
+          <a:stretch>
+            <a:fillRect/>
+          </a:stretch>
+        </p:blipFill>
+        <p:spPr bwMode="auto">
+          <a:xfrm>
+            <a:off x="2644136" y="3943142"/>
+            <a:ext cx="1384038" cy="1192111"/>
           </a:xfrm>
           <a:prstGeom prst="rect">
             <a:avLst/>
@@ -19074,7 +19115,7 @@
                   <a:schemeClr val="tx1"/>
                 </a:solidFill>
               </a:rPr>
-              <a:t>Read ADC 10 bit</a:t>
+              <a:t>Read ADC 12 bit</a:t>
             </a:r>
             <a:endParaRPr lang="en-GB" sz="1000" dirty="0">
               <a:solidFill>
@@ -19141,7 +19182,7 @@
           <a:p>
             <a:r>
               <a:rPr lang="en-GB" dirty="0" smtClean="0"/>
-              <a:t>( 0 – 1023 )</a:t>
+              <a:t>( 0 – 4095 )</a:t>
             </a:r>
             <a:endParaRPr lang="en-GB" dirty="0"/>
           </a:p>
@@ -20122,6 +20163,48 @@
           </a:fontRef>
         </p:style>
       </p:cxnSp>
+      <p:sp>
+        <p:nvSpPr>
+          <p:cNvPr id="42" name="TextBox 41"/>
+          <p:cNvSpPr txBox="1"/>
+          <p:nvPr/>
+        </p:nvSpPr>
+        <p:spPr>
+          <a:xfrm>
+            <a:off x="7596336" y="2571750"/>
+            <a:ext cx="1198341" cy="353943"/>
+          </a:xfrm>
+          <a:prstGeom prst="rect">
+            <a:avLst/>
+          </a:prstGeom>
+          <a:noFill/>
+        </p:spPr>
+        <p:txBody>
+          <a:bodyPr wrap="none" rtlCol="0">
+            <a:spAutoFit/>
+          </a:bodyPr>
+          <a:lstStyle/>
+          <a:p>
+            <a:r>
+              <a:rPr lang="en-GB" dirty="0" smtClean="0"/>
+              <a:t>( </a:t>
+            </a:r>
+            <a:r>
+              <a:rPr lang="en-GB" dirty="0" smtClean="0"/>
+              <a:t>50 </a:t>
+            </a:r>
+            <a:r>
+              <a:rPr lang="en-GB" dirty="0" smtClean="0"/>
+              <a:t>– </a:t>
+            </a:r>
+            <a:r>
+              <a:rPr lang="en-GB" dirty="0" smtClean="0"/>
+              <a:t>1000)</a:t>
+            </a:r>
+            <a:endParaRPr lang="en-GB" dirty="0"/>
+          </a:p>
+        </p:txBody>
+      </p:sp>
     </p:spTree>
     <p:extLst>
       <p:ext uri="{BB962C8B-B14F-4D97-AF65-F5344CB8AC3E}">
@@ -20229,7 +20312,7 @@
             <a:pPr lvl="1"/>
             <a:r>
               <a:rPr lang="en-GB" dirty="0" smtClean="0"/>
-              <a:t>A Byte variable</a:t>
+              <a:t>A Word variable</a:t>
             </a:r>
           </a:p>
           <a:p>
@@ -20241,7 +20324,24 @@
           </a:p>
           <a:p>
             <a:pPr lvl="1"/>
-            <a:endParaRPr lang="en-GB" dirty="0" smtClean="0"/>
+            <a:r>
+              <a:rPr lang="en-GB" dirty="0" smtClean="0"/>
+              <a:t>Rotate</a:t>
+            </a:r>
+          </a:p>
+          <a:p>
+            <a:pPr lvl="1"/>
+            <a:r>
+              <a:rPr lang="en-GB" dirty="0" smtClean="0"/>
+              <a:t>Bitwise mask</a:t>
+            </a:r>
+          </a:p>
+          <a:p>
+            <a:pPr lvl="1"/>
+            <a:r>
+              <a:rPr lang="en-GB" dirty="0" smtClean="0"/>
+              <a:t>Scale()</a:t>
+            </a:r>
           </a:p>
           <a:p>
             <a:pPr lvl="2"/>
@@ -21144,7 +21244,7 @@
           <a:p>
             <a:r>
               <a:rPr lang="en-GB" dirty="0" smtClean="0"/>
-              <a:t>PIC18FxxQ24</a:t>
+              <a:t>PIC16F175xx</a:t>
             </a:r>
           </a:p>
           <a:p>
@@ -21157,7 +21257,7 @@
       </p:sp>
       <p:pic>
         <p:nvPicPr>
-          <p:cNvPr id="10" name="Picture 2" descr="PIC18F26Q24"/>
+          <p:cNvPr id="7" name="Picture 4" descr="PIC16F17556 | Microchip Technology"/>
           <p:cNvPicPr>
             <a:picLocks noChangeAspect="1" noChangeArrowheads="1"/>
           </p:cNvPicPr>
@@ -21178,8 +21278,49 @@
         </p:blipFill>
         <p:spPr bwMode="auto">
           <a:xfrm>
-            <a:off x="1907705" y="4116163"/>
-            <a:ext cx="1280738" cy="922132"/>
+            <a:off x="6750880" y="3974993"/>
+            <a:ext cx="2415427" cy="1178257"/>
+          </a:xfrm>
+          <a:prstGeom prst="rect">
+            <a:avLst/>
+          </a:prstGeom>
+          <a:noFill/>
+          <a:extLst>
+            <a:ext uri="{909E8E84-426E-40DD-AFC4-6F175D3DCCD1}">
+              <a14:hiddenFill xmlns:a14="http://schemas.microsoft.com/office/drawing/2010/main">
+                <a:solidFill>
+                  <a:srgbClr val="FFFFFF"/>
+                </a:solidFill>
+              </a14:hiddenFill>
+            </a:ext>
+          </a:extLst>
+        </p:spPr>
+      </p:pic>
+      <p:pic>
+        <p:nvPicPr>
+          <p:cNvPr id="9" name="Picture 6" descr="PIC16F19175 | Microchip Technology"/>
+          <p:cNvPicPr>
+            <a:picLocks noChangeAspect="1" noChangeArrowheads="1"/>
+          </p:cNvPicPr>
+          <p:nvPr/>
+        </p:nvPicPr>
+        <p:blipFill>
+          <a:blip r:embed="rId4" cstate="print">
+            <a:extLst>
+              <a:ext uri="{28A0092B-C50C-407E-A947-70E740481C1C}">
+                <a14:useLocalDpi xmlns:a14="http://schemas.microsoft.com/office/drawing/2010/main" val="0"/>
+              </a:ext>
+            </a:extLst>
+          </a:blip>
+          <a:srcRect/>
+          <a:stretch>
+            <a:fillRect/>
+          </a:stretch>
+        </p:blipFill>
+        <p:spPr bwMode="auto">
+          <a:xfrm>
+            <a:off x="2644136" y="3943142"/>
+            <a:ext cx="1384038" cy="1192111"/>
           </a:xfrm>
           <a:prstGeom prst="rect">
             <a:avLst/>
@@ -21243,7 +21384,7 @@
       </p:grpSpPr>
       <p:pic>
         <p:nvPicPr>
-          <p:cNvPr id="1026" name="Picture 2"/>
+          <p:cNvPr id="4" name="Picture 2"/>
           <p:cNvPicPr>
             <a:picLocks noChangeAspect="1" noChangeArrowheads="1"/>
           </p:cNvPicPr>
@@ -21264,8 +21405,8 @@
         </p:blipFill>
         <p:spPr bwMode="auto">
           <a:xfrm>
-            <a:off x="1691680" y="46556"/>
-            <a:ext cx="4248472" cy="5096944"/>
+            <a:off x="1907704" y="59964"/>
+            <a:ext cx="3816424" cy="4940949"/>
           </a:xfrm>
           <a:prstGeom prst="rect">
             <a:avLst/>
@@ -21498,9 +21639,38 @@
           </a:p>
         </p:txBody>
       </p:sp>
+      <p:sp>
+        <p:nvSpPr>
+          <p:cNvPr id="11" name="Date Placeholder 3"/>
+          <p:cNvSpPr>
+            <a:spLocks noGrp="1"/>
+          </p:cNvSpPr>
+          <p:nvPr>
+            <p:ph type="dt" sz="half" idx="10"/>
+          </p:nvPr>
+        </p:nvSpPr>
+        <p:spPr>
+          <a:xfrm>
+            <a:off x="5868144" y="4384422"/>
+            <a:ext cx="599920" cy="305233"/>
+          </a:xfrm>
+        </p:spPr>
+        <p:txBody>
+          <a:bodyPr/>
+          <a:lstStyle/>
+          <a:p>
+            <a:fld id="{1E700B27-DE4C-4B9E-BB11-B9027034A00F}" type="datetimeFigureOut">
+              <a:rPr lang="en-US" smtClean="0"/>
+              <a:pPr/>
+              <a:t>11/17/2025</a:t>
+            </a:fld>
+            <a:endParaRPr lang="en-US" dirty="0"/>
+          </a:p>
+        </p:txBody>
+      </p:sp>
       <p:pic>
         <p:nvPicPr>
-          <p:cNvPr id="8" name="Picture 2" descr="PIC18F26Q24"/>
+          <p:cNvPr id="9" name="Picture 4" descr="PIC16F17556 | Microchip Technology"/>
           <p:cNvPicPr>
             <a:picLocks noChangeAspect="1" noChangeArrowheads="1"/>
           </p:cNvPicPr>
@@ -21521,8 +21691,8 @@
         </p:blipFill>
         <p:spPr bwMode="auto">
           <a:xfrm>
-            <a:off x="1907705" y="4116163"/>
-            <a:ext cx="1280738" cy="922132"/>
+            <a:off x="6750880" y="3974993"/>
+            <a:ext cx="2415427" cy="1178257"/>
           </a:xfrm>
           <a:prstGeom prst="rect">
             <a:avLst/>
@@ -21541,14 +21711,14 @@
       </p:pic>
       <p:pic>
         <p:nvPicPr>
-          <p:cNvPr id="10" name="Picture 8" descr="C:\Users\admin\OneDrive\Desktop\Picture1.jpg"/>
+          <p:cNvPr id="12" name="Picture 6" descr="PIC16F19175 | Microchip Technology"/>
           <p:cNvPicPr>
             <a:picLocks noChangeAspect="1" noChangeArrowheads="1"/>
           </p:cNvPicPr>
           <p:nvPr/>
         </p:nvPicPr>
         <p:blipFill>
-          <a:blip r:embed="rId4">
+          <a:blip r:embed="rId4" cstate="print">
             <a:extLst>
               <a:ext uri="{28A0092B-C50C-407E-A947-70E740481C1C}">
                 <a14:useLocalDpi xmlns:a14="http://schemas.microsoft.com/office/drawing/2010/main" val="0"/>
@@ -21562,8 +21732,8 @@
         </p:blipFill>
         <p:spPr bwMode="auto">
           <a:xfrm>
-            <a:off x="3995936" y="3937587"/>
-            <a:ext cx="2320300" cy="1129258"/>
+            <a:off x="2644136" y="3943142"/>
+            <a:ext cx="1384038" cy="1192111"/>
           </a:xfrm>
           <a:prstGeom prst="rect">
             <a:avLst/>
@@ -21580,35 +21750,6 @@
           </a:extLst>
         </p:spPr>
       </p:pic>
-      <p:sp>
-        <p:nvSpPr>
-          <p:cNvPr id="11" name="Date Placeholder 3"/>
-          <p:cNvSpPr>
-            <a:spLocks noGrp="1"/>
-          </p:cNvSpPr>
-          <p:nvPr>
-            <p:ph type="dt" sz="half" idx="10"/>
-          </p:nvPr>
-        </p:nvSpPr>
-        <p:spPr>
-          <a:xfrm>
-            <a:off x="6113182" y="4384422"/>
-            <a:ext cx="354882" cy="305233"/>
-          </a:xfrm>
-        </p:spPr>
-        <p:txBody>
-          <a:bodyPr/>
-          <a:lstStyle/>
-          <a:p>
-            <a:fld id="{1E700B27-DE4C-4B9E-BB11-B9027034A00F}" type="datetimeFigureOut">
-              <a:rPr lang="en-US" smtClean="0"/>
-              <a:pPr/>
-              <a:t>11/18/2024</a:t>
-            </a:fld>
-            <a:endParaRPr lang="en-US" dirty="0"/>
-          </a:p>
-        </p:txBody>
-      </p:sp>
     </p:spTree>
     <p:extLst>
       <p:ext uri="{BB962C8B-B14F-4D97-AF65-F5344CB8AC3E}">
@@ -21672,7 +21813,7 @@
             <a:pPr algn="l"/>
             <a:r>
               <a:rPr lang="en-GB" dirty="0" smtClean="0"/>
-              <a:t>PIC18FxxQ24</a:t>
+              <a:t>PIC16F175xx</a:t>
             </a:r>
             <a:endParaRPr lang="en-GB" dirty="0"/>
           </a:p>
@@ -21772,6 +21913,11 @@
         </p:txBody>
       </p:sp>
     </p:spTree>
+    <p:extLst>
+      <p:ext uri="{BB962C8B-B14F-4D97-AF65-F5344CB8AC3E}">
+        <p14:creationId xmlns:p14="http://schemas.microsoft.com/office/powerpoint/2010/main" val="2119885663"/>
+      </p:ext>
+    </p:extLst>
   </p:cSld>
   <p:clrMapOvr>
     <a:masterClrMapping/>
@@ -22339,7 +22485,7 @@
         <p:spPr>
           <a:xfrm>
             <a:off x="3563888" y="2643758"/>
-            <a:ext cx="3528392" cy="1393943"/>
+            <a:ext cx="3528392" cy="1655553"/>
           </a:xfrm>
           <a:prstGeom prst="rect">
             <a:avLst/>
@@ -22354,7 +22500,7 @@
           <a:p>
             <a:r>
               <a:rPr lang="en-GB" dirty="0" smtClean="0"/>
-              <a:t>GCBASIC is an Open Source compiler for PIC and AVR microcontrollers</a:t>
+              <a:t>GCBASIC is an Open Source compiler for PIC , AVR and LGT microcontrollers</a:t>
             </a:r>
           </a:p>
           <a:p>
@@ -22363,7 +22509,7 @@
           <a:p>
             <a:r>
               <a:rPr lang="en-GB" dirty="0" smtClean="0"/>
-              <a:t>GCBASIC now supports the 18FxxQ24 chip family</a:t>
+              <a:t>GCBASIC now supports the 16F175xx chip family</a:t>
             </a:r>
             <a:endParaRPr lang="en-GB" dirty="0"/>
           </a:p>
@@ -22479,7 +22625,7 @@
             <a:pPr marL="778521" lvl="1" indent="-478483"/>
             <a:r>
               <a:rPr lang="en-GB" dirty="0" smtClean="0"/>
-              <a:t>Test that you have the 18FxxQ24 attached</a:t>
+              <a:t>Test that you have the 16F175xx attached</a:t>
             </a:r>
           </a:p>
           <a:p>
@@ -22550,70 +22696,6 @@
           <a:chExt cx="0" cy="0"/>
         </a:xfrm>
       </p:grpSpPr>
-      <p:pic>
-        <p:nvPicPr>
-          <p:cNvPr id="9" name="Picture 2"/>
-          <p:cNvPicPr>
-            <a:picLocks noGrp="1" noChangeAspect="1" noChangeArrowheads="1"/>
-          </p:cNvPicPr>
-          <p:nvPr>
-            <p:ph idx="1"/>
-          </p:nvPr>
-        </p:nvPicPr>
-        <p:blipFill rotWithShape="1">
-          <a:blip r:embed="rId2">
-            <a:extLst>
-              <a:ext uri="{28A0092B-C50C-407E-A947-70E740481C1C}">
-                <a14:useLocalDpi xmlns:a14="http://schemas.microsoft.com/office/drawing/2010/main" val="0"/>
-              </a:ext>
-            </a:extLst>
-          </a:blip>
-          <a:srcRect l="6459" r="22745" b="29280"/>
-          <a:stretch/>
-        </p:blipFill>
-        <p:spPr bwMode="auto">
-          <a:xfrm>
-            <a:off x="882650" y="1491631"/>
-            <a:ext cx="3619500" cy="3156570"/>
-          </a:xfrm>
-          <a:prstGeom prst="rect">
-            <a:avLst/>
-          </a:prstGeom>
-          <a:noFill/>
-          <a:ln>
-            <a:noFill/>
-          </a:ln>
-          <a:effectLst/>
-          <a:extLst>
-            <a:ext uri="{909E8E84-426E-40DD-AFC4-6F175D3DCCD1}">
-              <a14:hiddenFill xmlns:a14="http://schemas.microsoft.com/office/drawing/2010/main">
-                <a:solidFill>
-                  <a:schemeClr val="accent1"/>
-                </a:solidFill>
-              </a14:hiddenFill>
-            </a:ext>
-            <a:ext uri="{91240B29-F687-4F45-9708-019B960494DF}">
-              <a14:hiddenLine xmlns:a14="http://schemas.microsoft.com/office/drawing/2010/main" w="9525">
-                <a:solidFill>
-                  <a:schemeClr val="tx1"/>
-                </a:solidFill>
-                <a:miter lim="800000"/>
-                <a:headEnd/>
-                <a:tailEnd/>
-              </a14:hiddenLine>
-            </a:ext>
-            <a:ext uri="{AF507438-7753-43E0-B8FC-AC1667EBCBE1}">
-              <a14:hiddenEffects xmlns:a14="http://schemas.microsoft.com/office/drawing/2010/main">
-                <a:effectLst>
-                  <a:outerShdw dist="35921" dir="2700000" algn="ctr" rotWithShape="0">
-                    <a:schemeClr val="bg2"/>
-                  </a:outerShdw>
-                </a:effectLst>
-              </a14:hiddenEffects>
-            </a:ext>
-          </a:extLst>
-        </p:spPr>
-      </p:pic>
       <p:sp>
         <p:nvSpPr>
           <p:cNvPr id="2" name="Title 1"/>
@@ -22624,7 +22706,12 @@
             <p:ph type="title"/>
           </p:nvPr>
         </p:nvSpPr>
-        <p:spPr/>
+        <p:spPr>
+          <a:xfrm>
+            <a:off x="155575" y="501030"/>
+            <a:ext cx="5400600" cy="990600"/>
+          </a:xfrm>
+        </p:spPr>
         <p:txBody>
           <a:bodyPr vert="horz" lIns="85064" tIns="42531" rIns="85064" bIns="42531" rtlCol="0" anchor="t">
             <a:normAutofit/>
@@ -22634,7 +22721,7 @@
             <a:pPr algn="l"/>
             <a:r>
               <a:rPr lang="en-GB" dirty="0" smtClean="0"/>
-              <a:t>Digital input</a:t>
+              <a:t>Hardware</a:t>
             </a:r>
             <a:endParaRPr lang="en-GB" dirty="0"/>
           </a:p>
@@ -22649,7 +22736,7 @@
           <p:nvPr/>
         </p:nvPicPr>
         <p:blipFill rotWithShape="1">
-          <a:blip r:embed="rId3" cstate="print"/>
+          <a:blip r:embed="rId2" cstate="print"/>
           <a:srcRect l="59960" t="35915"/>
           <a:stretch/>
         </p:blipFill>
@@ -22673,16 +22760,16 @@
       </p:pic>
       <p:sp>
         <p:nvSpPr>
-          <p:cNvPr id="10" name="Rectangle 9"/>
+          <p:cNvPr id="6" name="Oval 5"/>
           <p:cNvSpPr/>
           <p:nvPr/>
         </p:nvSpPr>
         <p:spPr>
           <a:xfrm>
-            <a:off x="3398352" y="2882981"/>
-            <a:ext cx="1330902" cy="632647"/>
+            <a:off x="6876256" y="2787774"/>
+            <a:ext cx="1547664" cy="1512168"/>
           </a:xfrm>
-          <a:prstGeom prst="rect">
+          <a:prstGeom prst="ellipse">
             <a:avLst/>
           </a:prstGeom>
           <a:noFill/>
@@ -22800,20 +22887,323 @@
       </p:cxnSp>
       <p:sp>
         <p:nvSpPr>
-          <p:cNvPr id="11" name="Rectangle 10"/>
+          <p:cNvPr id="5" name="AutoShape 4" descr="Uploaded image"/>
+          <p:cNvSpPr>
+            <a:spLocks noChangeAspect="1" noChangeArrowheads="1"/>
+          </p:cNvSpPr>
+          <p:nvPr/>
+        </p:nvSpPr>
+        <p:spPr bwMode="auto">
+          <a:xfrm>
+            <a:off x="155575" y="-144463"/>
+            <a:ext cx="304800" cy="304801"/>
+          </a:xfrm>
+          <a:prstGeom prst="rect">
+            <a:avLst/>
+          </a:prstGeom>
+          <a:noFill/>
+          <a:extLst>
+            <a:ext uri="{909E8E84-426E-40DD-AFC4-6F175D3DCCD1}">
+              <a14:hiddenFill xmlns:a14="http://schemas.microsoft.com/office/drawing/2010/main">
+                <a:solidFill>
+                  <a:srgbClr val="FFFFFF"/>
+                </a:solidFill>
+              </a14:hiddenFill>
+            </a:ext>
+          </a:extLst>
+        </p:spPr>
+        <p:txBody>
+          <a:bodyPr vert="horz" wrap="square" lIns="91440" tIns="45720" rIns="91440" bIns="45720" numCol="1" anchor="t" anchorCtr="0" compatLnSpc="1">
+            <a:prstTxWarp prst="textNoShape">
+              <a:avLst/>
+            </a:prstTxWarp>
+          </a:bodyPr>
+          <a:lstStyle/>
+          <a:p>
+            <a:endParaRPr lang="en-GB"/>
+          </a:p>
+        </p:txBody>
+      </p:sp>
+      <p:sp>
+        <p:nvSpPr>
+          <p:cNvPr id="8" name="AutoShape 6" descr="Uploaded image"/>
+          <p:cNvSpPr>
+            <a:spLocks noChangeAspect="1" noChangeArrowheads="1"/>
+          </p:cNvSpPr>
+          <p:nvPr/>
+        </p:nvSpPr>
+        <p:spPr bwMode="auto">
+          <a:xfrm>
+            <a:off x="307975" y="7937"/>
+            <a:ext cx="304800" cy="304801"/>
+          </a:xfrm>
+          <a:prstGeom prst="rect">
+            <a:avLst/>
+          </a:prstGeom>
+          <a:noFill/>
+          <a:extLst>
+            <a:ext uri="{909E8E84-426E-40DD-AFC4-6F175D3DCCD1}">
+              <a14:hiddenFill xmlns:a14="http://schemas.microsoft.com/office/drawing/2010/main">
+                <a:solidFill>
+                  <a:srgbClr val="FFFFFF"/>
+                </a:solidFill>
+              </a14:hiddenFill>
+            </a:ext>
+          </a:extLst>
+        </p:spPr>
+        <p:txBody>
+          <a:bodyPr vert="horz" wrap="square" lIns="91440" tIns="45720" rIns="91440" bIns="45720" numCol="1" anchor="t" anchorCtr="0" compatLnSpc="1">
+            <a:prstTxWarp prst="textNoShape">
+              <a:avLst/>
+            </a:prstTxWarp>
+          </a:bodyPr>
+          <a:lstStyle/>
+          <a:p>
+            <a:endParaRPr lang="en-GB"/>
+          </a:p>
+        </p:txBody>
+      </p:sp>
+      <p:sp>
+        <p:nvSpPr>
+          <p:cNvPr id="11" name="AutoShape 8" descr="image.png"/>
+          <p:cNvSpPr>
+            <a:spLocks noChangeAspect="1" noChangeArrowheads="1"/>
+          </p:cNvSpPr>
+          <p:nvPr/>
+        </p:nvSpPr>
+        <p:spPr bwMode="auto">
+          <a:xfrm>
+            <a:off x="460375" y="160337"/>
+            <a:ext cx="304800" cy="304801"/>
+          </a:xfrm>
+          <a:prstGeom prst="rect">
+            <a:avLst/>
+          </a:prstGeom>
+          <a:noFill/>
+          <a:extLst>
+            <a:ext uri="{909E8E84-426E-40DD-AFC4-6F175D3DCCD1}">
+              <a14:hiddenFill xmlns:a14="http://schemas.microsoft.com/office/drawing/2010/main">
+                <a:solidFill>
+                  <a:srgbClr val="FFFFFF"/>
+                </a:solidFill>
+              </a14:hiddenFill>
+            </a:ext>
+          </a:extLst>
+        </p:spPr>
+        <p:txBody>
+          <a:bodyPr vert="horz" wrap="square" lIns="91440" tIns="45720" rIns="91440" bIns="45720" numCol="1" anchor="t" anchorCtr="0" compatLnSpc="1">
+            <a:prstTxWarp prst="textNoShape">
+              <a:avLst/>
+            </a:prstTxWarp>
+          </a:bodyPr>
+          <a:lstStyle/>
+          <a:p>
+            <a:endParaRPr lang="en-GB"/>
+          </a:p>
+        </p:txBody>
+      </p:sp>
+      <p:grpSp>
+        <p:nvGrpSpPr>
+          <p:cNvPr id="25" name="Group 24"/>
+          <p:cNvGrpSpPr/>
+          <p:nvPr/>
+        </p:nvGrpSpPr>
+        <p:grpSpPr>
+          <a:xfrm>
+            <a:off x="547911" y="1563638"/>
+            <a:ext cx="4384129" cy="2952328"/>
+            <a:chOff x="1043608" y="1563638"/>
+            <a:chExt cx="4384129" cy="2952328"/>
+          </a:xfrm>
+        </p:grpSpPr>
+        <p:pic>
+          <p:nvPicPr>
+            <p:cNvPr id="1036" name="Picture 12"/>
+            <p:cNvPicPr>
+              <a:picLocks noChangeAspect="1" noChangeArrowheads="1"/>
+            </p:cNvPicPr>
+            <p:nvPr/>
+          </p:nvPicPr>
+          <p:blipFill>
+            <a:blip r:embed="rId3">
+              <a:extLst>
+                <a:ext uri="{28A0092B-C50C-407E-A947-70E740481C1C}">
+                  <a14:useLocalDpi xmlns:a14="http://schemas.microsoft.com/office/drawing/2010/main" val="0"/>
+                </a:ext>
+              </a:extLst>
+            </a:blip>
+            <a:srcRect/>
+            <a:stretch>
+              <a:fillRect/>
+            </a:stretch>
+          </p:blipFill>
+          <p:spPr bwMode="auto">
+            <a:xfrm>
+              <a:off x="1043608" y="1563638"/>
+              <a:ext cx="1476375" cy="2924175"/>
+            </a:xfrm>
+            <a:prstGeom prst="rect">
+              <a:avLst/>
+            </a:prstGeom>
+            <a:noFill/>
+            <a:ln>
+              <a:noFill/>
+            </a:ln>
+            <a:effectLst/>
+            <a:extLst>
+              <a:ext uri="{909E8E84-426E-40DD-AFC4-6F175D3DCCD1}">
+                <a14:hiddenFill xmlns:a14="http://schemas.microsoft.com/office/drawing/2010/main">
+                  <a:solidFill>
+                    <a:schemeClr val="accent1"/>
+                  </a:solidFill>
+                </a14:hiddenFill>
+              </a:ext>
+              <a:ext uri="{91240B29-F687-4F45-9708-019B960494DF}">
+                <a14:hiddenLine xmlns:a14="http://schemas.microsoft.com/office/drawing/2010/main" w="9525">
+                  <a:solidFill>
+                    <a:schemeClr val="tx1"/>
+                  </a:solidFill>
+                  <a:miter lim="800000"/>
+                  <a:headEnd/>
+                  <a:tailEnd/>
+                </a14:hiddenLine>
+              </a:ext>
+              <a:ext uri="{AF507438-7753-43E0-B8FC-AC1667EBCBE1}">
+                <a14:hiddenEffects xmlns:a14="http://schemas.microsoft.com/office/drawing/2010/main">
+                  <a:effectLst>
+                    <a:outerShdw dist="35921" dir="2700000" algn="ctr" rotWithShape="0">
+                      <a:schemeClr val="bg2"/>
+                    </a:outerShdw>
+                  </a:effectLst>
+                </a14:hiddenEffects>
+              </a:ext>
+            </a:extLst>
+          </p:spPr>
+        </p:pic>
+        <p:pic>
+          <p:nvPicPr>
+            <p:cNvPr id="1037" name="Picture 13"/>
+            <p:cNvPicPr>
+              <a:picLocks noChangeAspect="1" noChangeArrowheads="1"/>
+            </p:cNvPicPr>
+            <p:nvPr/>
+          </p:nvPicPr>
+          <p:blipFill>
+            <a:blip r:embed="rId4">
+              <a:extLst>
+                <a:ext uri="{28A0092B-C50C-407E-A947-70E740481C1C}">
+                  <a14:useLocalDpi xmlns:a14="http://schemas.microsoft.com/office/drawing/2010/main" val="0"/>
+                </a:ext>
+              </a:extLst>
+            </a:blip>
+            <a:srcRect/>
+            <a:stretch>
+              <a:fillRect/>
+            </a:stretch>
+          </p:blipFill>
+          <p:spPr bwMode="auto">
+            <a:xfrm>
+              <a:off x="3779912" y="1565118"/>
+              <a:ext cx="1647825" cy="2950848"/>
+            </a:xfrm>
+            <a:prstGeom prst="rect">
+              <a:avLst/>
+            </a:prstGeom>
+            <a:noFill/>
+            <a:ln>
+              <a:noFill/>
+            </a:ln>
+            <a:effectLst/>
+            <a:extLst>
+              <a:ext uri="{909E8E84-426E-40DD-AFC4-6F175D3DCCD1}">
+                <a14:hiddenFill xmlns:a14="http://schemas.microsoft.com/office/drawing/2010/main">
+                  <a:solidFill>
+                    <a:schemeClr val="accent1"/>
+                  </a:solidFill>
+                </a14:hiddenFill>
+              </a:ext>
+              <a:ext uri="{91240B29-F687-4F45-9708-019B960494DF}">
+                <a14:hiddenLine xmlns:a14="http://schemas.microsoft.com/office/drawing/2010/main" w="9525">
+                  <a:solidFill>
+                    <a:schemeClr val="tx1"/>
+                  </a:solidFill>
+                  <a:miter lim="800000"/>
+                  <a:headEnd/>
+                  <a:tailEnd/>
+                </a14:hiddenLine>
+              </a:ext>
+              <a:ext uri="{AF507438-7753-43E0-B8FC-AC1667EBCBE1}">
+                <a14:hiddenEffects xmlns:a14="http://schemas.microsoft.com/office/drawing/2010/main">
+                  <a:effectLst>
+                    <a:outerShdw dist="35921" dir="2700000" algn="ctr" rotWithShape="0">
+                      <a:schemeClr val="bg2"/>
+                    </a:outerShdw>
+                  </a:effectLst>
+                </a14:hiddenEffects>
+              </a:ext>
+            </a:extLst>
+          </p:spPr>
+        </p:pic>
+        <p:sp>
+          <p:nvSpPr>
+            <p:cNvPr id="24" name="Rectangle 23"/>
+            <p:cNvSpPr/>
+            <p:nvPr/>
+          </p:nvSpPr>
+          <p:spPr>
+            <a:xfrm>
+              <a:off x="2555776" y="1563638"/>
+              <a:ext cx="1152128" cy="2894062"/>
+            </a:xfrm>
+            <a:prstGeom prst="rect">
+              <a:avLst/>
+            </a:prstGeom>
+            <a:solidFill>
+              <a:schemeClr val="bg1"/>
+            </a:solidFill>
+          </p:spPr>
+          <p:style>
+            <a:lnRef idx="2">
+              <a:schemeClr val="accent1">
+                <a:shade val="50000"/>
+              </a:schemeClr>
+            </a:lnRef>
+            <a:fillRef idx="1">
+              <a:schemeClr val="accent1"/>
+            </a:fillRef>
+            <a:effectRef idx="0">
+              <a:schemeClr val="accent1"/>
+            </a:effectRef>
+            <a:fontRef idx="minor">
+              <a:schemeClr val="lt1"/>
+            </a:fontRef>
+          </p:style>
+          <p:txBody>
+            <a:bodyPr rtlCol="0" anchor="ctr"/>
+            <a:lstStyle/>
+            <a:p>
+              <a:pPr algn="ctr"/>
+              <a:endParaRPr lang="en-GB" dirty="0"/>
+            </a:p>
+          </p:txBody>
+        </p:sp>
+      </p:grpSp>
+      <p:sp>
+        <p:nvSpPr>
+          <p:cNvPr id="26" name="Rectangle 25"/>
           <p:cNvSpPr/>
           <p:nvPr/>
         </p:nvSpPr>
         <p:spPr>
           <a:xfrm>
-            <a:off x="1639443" y="2393146"/>
-            <a:ext cx="1368152" cy="144016"/>
+            <a:off x="515615" y="1707654"/>
+            <a:ext cx="2120528" cy="288032"/>
           </a:xfrm>
           <a:prstGeom prst="rect">
             <a:avLst/>
           </a:prstGeom>
           <a:noFill/>
-          <a:ln>
+          <a:ln w="38100">
             <a:solidFill>
               <a:srgbClr val="FF0000"/>
             </a:solidFill>
@@ -22839,15 +23229,85 @@
           <a:bodyPr rtlCol="0" anchor="ctr"/>
           <a:lstStyle/>
           <a:p>
-            <a:pPr algn="ctr"/>
-            <a:endParaRPr lang="en-GB"/>
+            <a:pPr algn="r"/>
+            <a:r>
+              <a:rPr lang="en-GB" dirty="0" smtClean="0">
+                <a:solidFill>
+                  <a:schemeClr val="tx1"/>
+                </a:solidFill>
+              </a:rPr>
+              <a:t>ADC</a:t>
+            </a:r>
+            <a:endParaRPr lang="en-GB" dirty="0">
+              <a:solidFill>
+                <a:schemeClr val="tx1"/>
+              </a:solidFill>
+            </a:endParaRPr>
+          </a:p>
+        </p:txBody>
+      </p:sp>
+      <p:sp>
+        <p:nvSpPr>
+          <p:cNvPr id="15" name="Rectangle 14"/>
+          <p:cNvSpPr/>
+          <p:nvPr/>
+        </p:nvSpPr>
+        <p:spPr>
+          <a:xfrm>
+            <a:off x="460375" y="3435846"/>
+            <a:ext cx="2120528" cy="864096"/>
+          </a:xfrm>
+          <a:prstGeom prst="rect">
+            <a:avLst/>
+          </a:prstGeom>
+          <a:noFill/>
+          <a:ln w="38100">
+            <a:solidFill>
+              <a:srgbClr val="FF0000"/>
+            </a:solidFill>
+          </a:ln>
+        </p:spPr>
+        <p:style>
+          <a:lnRef idx="2">
+            <a:schemeClr val="accent1">
+              <a:shade val="50000"/>
+            </a:schemeClr>
+          </a:lnRef>
+          <a:fillRef idx="1">
+            <a:schemeClr val="accent1"/>
+          </a:fillRef>
+          <a:effectRef idx="0">
+            <a:schemeClr val="accent1"/>
+          </a:effectRef>
+          <a:fontRef idx="minor">
+            <a:schemeClr val="lt1"/>
+          </a:fontRef>
+        </p:style>
+        <p:txBody>
+          <a:bodyPr rtlCol="0" anchor="ctr"/>
+          <a:lstStyle/>
+          <a:p>
+            <a:pPr algn="r"/>
+            <a:r>
+              <a:rPr lang="en-GB" dirty="0" smtClean="0">
+                <a:solidFill>
+                  <a:schemeClr val="tx1"/>
+                </a:solidFill>
+              </a:rPr>
+              <a:t>LED</a:t>
+            </a:r>
+            <a:endParaRPr lang="en-GB" dirty="0">
+              <a:solidFill>
+                <a:schemeClr val="tx1"/>
+              </a:solidFill>
+            </a:endParaRPr>
           </a:p>
         </p:txBody>
       </p:sp>
     </p:spTree>
     <p:extLst>
       <p:ext uri="{BB962C8B-B14F-4D97-AF65-F5344CB8AC3E}">
-        <p14:creationId xmlns:p14="http://schemas.microsoft.com/office/powerpoint/2010/main" val="1407943707"/>
+        <p14:creationId xmlns:p14="http://schemas.microsoft.com/office/powerpoint/2010/main" val="814654801"/>
       </p:ext>
     </p:extLst>
   </p:cSld>
@@ -22966,7 +23426,7 @@
         <p:spPr>
           <a:xfrm>
             <a:off x="2123728" y="1635646"/>
-            <a:ext cx="5328592" cy="3416320"/>
+            <a:ext cx="5328592" cy="3600986"/>
           </a:xfrm>
           <a:prstGeom prst="rect">
             <a:avLst/>
@@ -22989,11 +23449,18 @@
           </a:p>
           <a:p>
             <a:r>
+              <a:rPr lang="en-GB" sz="1200" b="1" dirty="0" smtClean="0">
+                <a:latin typeface="Courier New" panose="02070309020205020404" pitchFamily="49" charset="0"/>
+                <a:cs typeface="Courier New" panose="02070309020205020404" pitchFamily="49" charset="0"/>
+              </a:rPr>
+              <a:t>'' </a:t>
+            </a:r>
+            <a:r>
               <a:rPr lang="en-GB" sz="1200" b="1" dirty="0">
                 <a:latin typeface="Courier New" panose="02070309020205020404" pitchFamily="49" charset="0"/>
                 <a:cs typeface="Courier New" panose="02070309020205020404" pitchFamily="49" charset="0"/>
               </a:rPr>
-              <a:t>    -------------------PORTA----------------</a:t>
+              <a:t>-------------------PORTA----------------</a:t>
             </a:r>
           </a:p>
           <a:p>
@@ -23002,7 +23469,7 @@
                 <a:latin typeface="Courier New" panose="02070309020205020404" pitchFamily="49" charset="0"/>
                 <a:cs typeface="Courier New" panose="02070309020205020404" pitchFamily="49" charset="0"/>
               </a:rPr>
-              <a:t>    Bit#:  -7---6---5---4---3---2---1---0---</a:t>
+              <a:t>'' Bit#:  -7---6---5---4---3---2---1---0---</a:t>
             </a:r>
           </a:p>
           <a:p>
@@ -23011,21 +23478,27 @@
                 <a:latin typeface="Courier New" panose="02070309020205020404" pitchFamily="49" charset="0"/>
                 <a:cs typeface="Courier New" panose="02070309020205020404" pitchFamily="49" charset="0"/>
               </a:rPr>
-              <a:t>    IO:    </a:t>
+              <a:t>'' IO:    </a:t>
             </a:r>
             <a:r>
               <a:rPr lang="en-GB" sz="1200" b="1" dirty="0" smtClean="0">
                 <a:latin typeface="Courier New" panose="02070309020205020404" pitchFamily="49" charset="0"/>
                 <a:cs typeface="Courier New" panose="02070309020205020404" pitchFamily="49" charset="0"/>
               </a:rPr>
-              <a:t>----------------------------ADC-</a:t>
-            </a:r>
+              <a:t>----------------------------ADC--</a:t>
+            </a:r>
+            <a:endParaRPr lang="en-GB" sz="1200" b="1" dirty="0">
+              <a:latin typeface="Courier New" panose="02070309020205020404" pitchFamily="49" charset="0"/>
+              <a:cs typeface="Courier New" panose="02070309020205020404" pitchFamily="49" charset="0"/>
+            </a:endParaRPr>
+          </a:p>
+          <a:p>
             <a:r>
               <a:rPr lang="en-GB" sz="1200" b="1" dirty="0">
                 <a:latin typeface="Courier New" panose="02070309020205020404" pitchFamily="49" charset="0"/>
                 <a:cs typeface="Courier New" panose="02070309020205020404" pitchFamily="49" charset="0"/>
               </a:rPr>
-              <a:t>- </a:t>
+              <a:t>''-----------------------------------------</a:t>
             </a:r>
           </a:p>
           <a:p>
@@ -23034,8 +23507,14 @@
                 <a:latin typeface="Courier New" panose="02070309020205020404" pitchFamily="49" charset="0"/>
                 <a:cs typeface="Courier New" panose="02070309020205020404" pitchFamily="49" charset="0"/>
               </a:rPr>
-              <a:t>    ----------------------------------------</a:t>
-            </a:r>
+              <a:t>''</a:t>
+            </a:r>
+          </a:p>
+          <a:p>
+            <a:endParaRPr lang="en-GB" sz="1200" b="1" dirty="0">
+              <a:latin typeface="Courier New" panose="02070309020205020404" pitchFamily="49" charset="0"/>
+              <a:cs typeface="Courier New" panose="02070309020205020404" pitchFamily="49" charset="0"/>
+            </a:endParaRPr>
           </a:p>
           <a:p>
             <a:r>
@@ -23043,20 +23522,25 @@
                 <a:latin typeface="Courier New" panose="02070309020205020404" pitchFamily="49" charset="0"/>
                 <a:cs typeface="Courier New" panose="02070309020205020404" pitchFamily="49" charset="0"/>
               </a:rPr>
-              <a:t/>
-            </a:r>
-            <a:br>
+              <a:t>'' -------------------PORTB----------------</a:t>
+            </a:r>
+          </a:p>
+          <a:p>
+            <a:r>
               <a:rPr lang="en-GB" sz="1200" b="1" dirty="0">
                 <a:latin typeface="Courier New" panose="02070309020205020404" pitchFamily="49" charset="0"/>
                 <a:cs typeface="Courier New" panose="02070309020205020404" pitchFamily="49" charset="0"/>
               </a:rPr>
-            </a:br>
+              <a:t>'' Bit#:  -7---6---5---4---3---2---1---0---</a:t>
+            </a:r>
+          </a:p>
+          <a:p>
             <a:r>
               <a:rPr lang="en-GB" sz="1200" b="1" dirty="0">
                 <a:latin typeface="Courier New" panose="02070309020205020404" pitchFamily="49" charset="0"/>
                 <a:cs typeface="Courier New" panose="02070309020205020404" pitchFamily="49" charset="0"/>
               </a:rPr>
-              <a:t>    -------------------PORTB----------------</a:t>
+              <a:t>'' IO:    ---------------------------------</a:t>
             </a:r>
           </a:p>
           <a:p>
@@ -23065,7 +23549,7 @@
                 <a:latin typeface="Courier New" panose="02070309020205020404" pitchFamily="49" charset="0"/>
                 <a:cs typeface="Courier New" panose="02070309020205020404" pitchFamily="49" charset="0"/>
               </a:rPr>
-              <a:t>    Bit#:  -7---6---5---4---3---2---1---0---</a:t>
+              <a:t>''-----------------------------------------</a:t>
             </a:r>
           </a:p>
           <a:p>
@@ -23074,8 +23558,14 @@
                 <a:latin typeface="Courier New" panose="02070309020205020404" pitchFamily="49" charset="0"/>
                 <a:cs typeface="Courier New" panose="02070309020205020404" pitchFamily="49" charset="0"/>
               </a:rPr>
-              <a:t>    IO:    ----------------LED-LED-LED-LED--</a:t>
-            </a:r>
+              <a:t>''</a:t>
+            </a:r>
+          </a:p>
+          <a:p>
+            <a:endParaRPr lang="en-GB" sz="1200" b="1" dirty="0">
+              <a:latin typeface="Courier New" panose="02070309020205020404" pitchFamily="49" charset="0"/>
+              <a:cs typeface="Courier New" panose="02070309020205020404" pitchFamily="49" charset="0"/>
+            </a:endParaRPr>
           </a:p>
           <a:p>
             <a:r>
@@ -23083,7 +23573,7 @@
                 <a:latin typeface="Courier New" panose="02070309020205020404" pitchFamily="49" charset="0"/>
                 <a:cs typeface="Courier New" panose="02070309020205020404" pitchFamily="49" charset="0"/>
               </a:rPr>
-              <a:t>    ----------------------------------------</a:t>
+              <a:t>'' ------------------PORTC-----------------</a:t>
             </a:r>
           </a:p>
           <a:p>
@@ -23092,7 +23582,7 @@
                 <a:latin typeface="Courier New" panose="02070309020205020404" pitchFamily="49" charset="0"/>
                 <a:cs typeface="Courier New" panose="02070309020205020404" pitchFamily="49" charset="0"/>
               </a:rPr>
-              <a:t>    </a:t>
+              <a:t>'' Bit#:  -7---6---5---4---3---2---1---0---</a:t>
             </a:r>
           </a:p>
           <a:p>
@@ -23101,7 +23591,7 @@
                 <a:latin typeface="Courier New" panose="02070309020205020404" pitchFamily="49" charset="0"/>
                 <a:cs typeface="Courier New" panose="02070309020205020404" pitchFamily="49" charset="0"/>
               </a:rPr>
-              <a:t>    ------------------PORTC-----------------</a:t>
+              <a:t>'' IO:    ---------------LED--LED-LED-LED--</a:t>
             </a:r>
           </a:p>
           <a:p>
@@ -23110,7 +23600,7 @@
                 <a:latin typeface="Courier New" panose="02070309020205020404" pitchFamily="49" charset="0"/>
                 <a:cs typeface="Courier New" panose="02070309020205020404" pitchFamily="49" charset="0"/>
               </a:rPr>
-              <a:t>    Bit#:  -X---6---5---4---3---2---1---0---</a:t>
+              <a:t>''-----------------------------------------</a:t>
             </a:r>
           </a:p>
           <a:p>
@@ -23119,52 +23609,7 @@
                 <a:latin typeface="Courier New" panose="02070309020205020404" pitchFamily="49" charset="0"/>
                 <a:cs typeface="Courier New" panose="02070309020205020404" pitchFamily="49" charset="0"/>
               </a:rPr>
-              <a:t>    IO:    -^-------------------------------</a:t>
-            </a:r>
-          </a:p>
-          <a:p>
-            <a:r>
-              <a:rPr lang="en-GB" sz="1200" b="1" dirty="0">
-                <a:latin typeface="Courier New" panose="02070309020205020404" pitchFamily="49" charset="0"/>
-                <a:cs typeface="Courier New" panose="02070309020205020404" pitchFamily="49" charset="0"/>
-              </a:rPr>
-              <a:t>    -----VDDIO2----------------------------- </a:t>
-            </a:r>
-            <a:endParaRPr lang="en-GB" sz="1200" b="1" dirty="0" smtClean="0">
-              <a:latin typeface="Courier New" panose="02070309020205020404" pitchFamily="49" charset="0"/>
-              <a:cs typeface="Courier New" panose="02070309020205020404" pitchFamily="49" charset="0"/>
-            </a:endParaRPr>
-          </a:p>
-          <a:p>
-            <a:r>
-              <a:rPr lang="en-GB" sz="1200" b="1" dirty="0">
-                <a:latin typeface="Courier New" panose="02070309020205020404" pitchFamily="49" charset="0"/>
-                <a:cs typeface="Courier New" panose="02070309020205020404" pitchFamily="49" charset="0"/>
-              </a:rPr>
-              <a:t> </a:t>
-            </a:r>
-            <a:r>
-              <a:rPr lang="en-GB" sz="1200" b="1" dirty="0" smtClean="0">
-                <a:latin typeface="Courier New" panose="02070309020205020404" pitchFamily="49" charset="0"/>
-                <a:cs typeface="Courier New" panose="02070309020205020404" pitchFamily="49" charset="0"/>
-              </a:rPr>
-              <a:t>   You </a:t>
-            </a:r>
-            <a:r>
-              <a:rPr lang="en-GB" sz="1200" b="1" dirty="0">
-                <a:latin typeface="Courier New" panose="02070309020205020404" pitchFamily="49" charset="0"/>
-                <a:cs typeface="Courier New" panose="02070309020205020404" pitchFamily="49" charset="0"/>
-              </a:rPr>
-              <a:t>must apply correct Voltage</a:t>
-            </a:r>
-          </a:p>
-          <a:p>
-            <a:r>
-              <a:rPr lang="en-GB" sz="1200" b="1" dirty="0">
-                <a:latin typeface="Courier New" panose="02070309020205020404" pitchFamily="49" charset="0"/>
-                <a:cs typeface="Courier New" panose="02070309020205020404" pitchFamily="49" charset="0"/>
-              </a:rPr>
-              <a:t/>
+              <a:t>''</a:t>
             </a:r>
             <a:br>
               <a:rPr lang="en-GB" sz="1200" b="1" dirty="0">
@@ -23180,6 +23625,11 @@
         </p:txBody>
       </p:sp>
     </p:spTree>
+    <p:extLst>
+      <p:ext uri="{BB962C8B-B14F-4D97-AF65-F5344CB8AC3E}">
+        <p14:creationId xmlns:p14="http://schemas.microsoft.com/office/powerpoint/2010/main" val="2297516967"/>
+      </p:ext>
+    </p:extLst>
   </p:cSld>
   <p:clrMapOvr>
     <a:masterClrMapping/>
